--- a/paper/figures/ppt_cheat.pptx
+++ b/paper/figures/ppt_cheat.pptx
@@ -13,6 +13,11 @@
     <p:sldId id="258" r:id="rId7"/>
     <p:sldId id="262" r:id="rId8"/>
     <p:sldId id="263" r:id="rId9"/>
+    <p:sldId id="266" r:id="rId10"/>
+    <p:sldId id="264" r:id="rId11"/>
+    <p:sldId id="267" r:id="rId12"/>
+    <p:sldId id="268" r:id="rId13"/>
+    <p:sldId id="265" r:id="rId14"/>
   </p:sldIdLst>
   <p:sldSz cx="12192000" cy="6858000"/>
   <p:notesSz cx="6858000" cy="9144000"/>
@@ -266,7 +271,7 @@
           <a:p>
             <a:fld id="{7F1CDC01-110D-4FC1-BCA8-6CCDE4344D1A}" type="datetimeFigureOut">
               <a:rPr lang="en-US" smtClean="0"/>
-              <a:t>5/6/2021</a:t>
+              <a:t>5/11/2021</a:t>
             </a:fld>
             <a:endParaRPr lang="en-US"/>
           </a:p>
@@ -464,7 +469,7 @@
           <a:p>
             <a:fld id="{7F1CDC01-110D-4FC1-BCA8-6CCDE4344D1A}" type="datetimeFigureOut">
               <a:rPr lang="en-US" smtClean="0"/>
-              <a:t>5/6/2021</a:t>
+              <a:t>5/11/2021</a:t>
             </a:fld>
             <a:endParaRPr lang="en-US"/>
           </a:p>
@@ -672,7 +677,7 @@
           <a:p>
             <a:fld id="{7F1CDC01-110D-4FC1-BCA8-6CCDE4344D1A}" type="datetimeFigureOut">
               <a:rPr lang="en-US" smtClean="0"/>
-              <a:t>5/6/2021</a:t>
+              <a:t>5/11/2021</a:t>
             </a:fld>
             <a:endParaRPr lang="en-US"/>
           </a:p>
@@ -870,7 +875,7 @@
           <a:p>
             <a:fld id="{7F1CDC01-110D-4FC1-BCA8-6CCDE4344D1A}" type="datetimeFigureOut">
               <a:rPr lang="en-US" smtClean="0"/>
-              <a:t>5/6/2021</a:t>
+              <a:t>5/11/2021</a:t>
             </a:fld>
             <a:endParaRPr lang="en-US"/>
           </a:p>
@@ -1145,7 +1150,7 @@
           <a:p>
             <a:fld id="{7F1CDC01-110D-4FC1-BCA8-6CCDE4344D1A}" type="datetimeFigureOut">
               <a:rPr lang="en-US" smtClean="0"/>
-              <a:t>5/6/2021</a:t>
+              <a:t>5/11/2021</a:t>
             </a:fld>
             <a:endParaRPr lang="en-US"/>
           </a:p>
@@ -1410,7 +1415,7 @@
           <a:p>
             <a:fld id="{7F1CDC01-110D-4FC1-BCA8-6CCDE4344D1A}" type="datetimeFigureOut">
               <a:rPr lang="en-US" smtClean="0"/>
-              <a:t>5/6/2021</a:t>
+              <a:t>5/11/2021</a:t>
             </a:fld>
             <a:endParaRPr lang="en-US"/>
           </a:p>
@@ -1822,7 +1827,7 @@
           <a:p>
             <a:fld id="{7F1CDC01-110D-4FC1-BCA8-6CCDE4344D1A}" type="datetimeFigureOut">
               <a:rPr lang="en-US" smtClean="0"/>
-              <a:t>5/6/2021</a:t>
+              <a:t>5/11/2021</a:t>
             </a:fld>
             <a:endParaRPr lang="en-US"/>
           </a:p>
@@ -1963,7 +1968,7 @@
           <a:p>
             <a:fld id="{7F1CDC01-110D-4FC1-BCA8-6CCDE4344D1A}" type="datetimeFigureOut">
               <a:rPr lang="en-US" smtClean="0"/>
-              <a:t>5/6/2021</a:t>
+              <a:t>5/11/2021</a:t>
             </a:fld>
             <a:endParaRPr lang="en-US"/>
           </a:p>
@@ -2076,7 +2081,7 @@
           <a:p>
             <a:fld id="{7F1CDC01-110D-4FC1-BCA8-6CCDE4344D1A}" type="datetimeFigureOut">
               <a:rPr lang="en-US" smtClean="0"/>
-              <a:t>5/6/2021</a:t>
+              <a:t>5/11/2021</a:t>
             </a:fld>
             <a:endParaRPr lang="en-US"/>
           </a:p>
@@ -2387,7 +2392,7 @@
           <a:p>
             <a:fld id="{7F1CDC01-110D-4FC1-BCA8-6CCDE4344D1A}" type="datetimeFigureOut">
               <a:rPr lang="en-US" smtClean="0"/>
-              <a:t>5/6/2021</a:t>
+              <a:t>5/11/2021</a:t>
             </a:fld>
             <a:endParaRPr lang="en-US"/>
           </a:p>
@@ -2675,7 +2680,7 @@
           <a:p>
             <a:fld id="{7F1CDC01-110D-4FC1-BCA8-6CCDE4344D1A}" type="datetimeFigureOut">
               <a:rPr lang="en-US" smtClean="0"/>
-              <a:t>5/6/2021</a:t>
+              <a:t>5/11/2021</a:t>
             </a:fld>
             <a:endParaRPr lang="en-US"/>
           </a:p>
@@ -2916,7 +2921,7 @@
           <a:p>
             <a:fld id="{7F1CDC01-110D-4FC1-BCA8-6CCDE4344D1A}" type="datetimeFigureOut">
               <a:rPr lang="en-US" smtClean="0"/>
-              <a:t>5/6/2021</a:t>
+              <a:t>5/11/2021</a:t>
             </a:fld>
             <a:endParaRPr lang="en-US"/>
           </a:p>
@@ -3490,6 +3495,1231 @@
 </p:sld>
 </file>
 
+<file path=ppt/slides/slide10.xml><?xml version="1.0" encoding="utf-8"?>
+<p:sld xmlns:a="http://schemas.openxmlformats.org/drawingml/2006/main" xmlns:r="http://schemas.openxmlformats.org/officeDocument/2006/relationships" xmlns:p="http://schemas.openxmlformats.org/presentationml/2006/main">
+  <p:cSld>
+    <p:spTree>
+      <p:nvGrpSpPr>
+        <p:cNvPr id="1" name=""/>
+        <p:cNvGrpSpPr/>
+        <p:nvPr/>
+      </p:nvGrpSpPr>
+      <p:grpSpPr>
+        <a:xfrm>
+          <a:off x="0" y="0"/>
+          <a:ext cx="0" cy="0"/>
+          <a:chOff x="0" y="0"/>
+          <a:chExt cx="0" cy="0"/>
+        </a:xfrm>
+      </p:grpSpPr>
+      <p:pic>
+        <p:nvPicPr>
+          <p:cNvPr id="6" name="Picture 2">
+            <a:extLst>
+              <a:ext uri="{FF2B5EF4-FFF2-40B4-BE49-F238E27FC236}">
+                <a16:creationId xmlns:a16="http://schemas.microsoft.com/office/drawing/2014/main" id="{5E4979D5-E6A7-44D2-8196-B41648C93CEC}"/>
+              </a:ext>
+            </a:extLst>
+          </p:cNvPr>
+          <p:cNvPicPr>
+            <a:picLocks noChangeAspect="1" noChangeArrowheads="1"/>
+          </p:cNvPicPr>
+          <p:nvPr/>
+        </p:nvPicPr>
+        <p:blipFill rotWithShape="1">
+          <a:blip r:embed="rId2">
+            <a:extLst>
+              <a:ext uri="{28A0092B-C50C-407E-A947-70E740481C1C}">
+                <a14:useLocalDpi xmlns:a14="http://schemas.microsoft.com/office/drawing/2010/main" val="0"/>
+              </a:ext>
+            </a:extLst>
+          </a:blip>
+          <a:srcRect l="-809" t="92323" r="-1353" b="380"/>
+          <a:stretch/>
+        </p:blipFill>
+        <p:spPr bwMode="auto">
+          <a:xfrm>
+            <a:off x="279732" y="4311941"/>
+            <a:ext cx="11498312" cy="2470558"/>
+          </a:xfrm>
+          <a:prstGeom prst="rect">
+            <a:avLst/>
+          </a:prstGeom>
+          <a:noFill/>
+          <a:extLst>
+            <a:ext uri="{909E8E84-426E-40DD-AFC4-6F175D3DCCD1}">
+              <a14:hiddenFill xmlns:a14="http://schemas.microsoft.com/office/drawing/2010/main">
+                <a:solidFill>
+                  <a:srgbClr val="FFFFFF"/>
+                </a:solidFill>
+              </a14:hiddenFill>
+            </a:ext>
+          </a:extLst>
+        </p:spPr>
+      </p:pic>
+      <p:pic>
+        <p:nvPicPr>
+          <p:cNvPr id="7" name="Picture 2">
+            <a:extLst>
+              <a:ext uri="{FF2B5EF4-FFF2-40B4-BE49-F238E27FC236}">
+                <a16:creationId xmlns:a16="http://schemas.microsoft.com/office/drawing/2014/main" id="{AEF360FF-16CF-41F1-B39D-1580F772304C}"/>
+              </a:ext>
+            </a:extLst>
+          </p:cNvPr>
+          <p:cNvPicPr>
+            <a:picLocks noChangeAspect="1" noChangeArrowheads="1"/>
+          </p:cNvPicPr>
+          <p:nvPr/>
+        </p:nvPicPr>
+        <p:blipFill rotWithShape="1">
+          <a:blip r:embed="rId2">
+            <a:extLst>
+              <a:ext uri="{28A0092B-C50C-407E-A947-70E740481C1C}">
+                <a14:useLocalDpi xmlns:a14="http://schemas.microsoft.com/office/drawing/2010/main" val="0"/>
+              </a:ext>
+            </a:extLst>
+          </a:blip>
+          <a:srcRect l="-809" t="11180" r="-1353" b="81523"/>
+          <a:stretch/>
+        </p:blipFill>
+        <p:spPr bwMode="auto">
+          <a:xfrm>
+            <a:off x="279732" y="1201722"/>
+            <a:ext cx="11498312" cy="2470558"/>
+          </a:xfrm>
+          <a:prstGeom prst="rect">
+            <a:avLst/>
+          </a:prstGeom>
+          <a:noFill/>
+          <a:extLst>
+            <a:ext uri="{909E8E84-426E-40DD-AFC4-6F175D3DCCD1}">
+              <a14:hiddenFill xmlns:a14="http://schemas.microsoft.com/office/drawing/2010/main">
+                <a:solidFill>
+                  <a:srgbClr val="FFFFFF"/>
+                </a:solidFill>
+              </a14:hiddenFill>
+            </a:ext>
+          </a:extLst>
+        </p:spPr>
+      </p:pic>
+      <p:sp>
+        <p:nvSpPr>
+          <p:cNvPr id="8" name="TextBox 7">
+            <a:extLst>
+              <a:ext uri="{FF2B5EF4-FFF2-40B4-BE49-F238E27FC236}">
+                <a16:creationId xmlns:a16="http://schemas.microsoft.com/office/drawing/2014/main" id="{9E329E76-809E-4BEC-9882-4009171C5112}"/>
+              </a:ext>
+            </a:extLst>
+          </p:cNvPr>
+          <p:cNvSpPr txBox="1"/>
+          <p:nvPr/>
+        </p:nvSpPr>
+        <p:spPr>
+          <a:xfrm>
+            <a:off x="5512560" y="3672280"/>
+            <a:ext cx="2097248" cy="584775"/>
+          </a:xfrm>
+          <a:prstGeom prst="rect">
+            <a:avLst/>
+          </a:prstGeom>
+          <a:noFill/>
+        </p:spPr>
+        <p:txBody>
+          <a:bodyPr wrap="square" rtlCol="0">
+            <a:spAutoFit/>
+          </a:bodyPr>
+          <a:lstStyle/>
+          <a:p>
+            <a:r>
+              <a:rPr lang="en-US" sz="3200" dirty="0"/>
+              <a:t>.  .  .</a:t>
+            </a:r>
+          </a:p>
+        </p:txBody>
+      </p:sp>
+      <p:sp>
+        <p:nvSpPr>
+          <p:cNvPr id="12" name="TextBox 11">
+            <a:extLst>
+              <a:ext uri="{FF2B5EF4-FFF2-40B4-BE49-F238E27FC236}">
+                <a16:creationId xmlns:a16="http://schemas.microsoft.com/office/drawing/2014/main" id="{2871E1DA-5DC3-43DA-AF90-733901F7730B}"/>
+              </a:ext>
+            </a:extLst>
+          </p:cNvPr>
+          <p:cNvSpPr txBox="1"/>
+          <p:nvPr/>
+        </p:nvSpPr>
+        <p:spPr>
+          <a:xfrm>
+            <a:off x="279732" y="812579"/>
+            <a:ext cx="2097248" cy="369332"/>
+          </a:xfrm>
+          <a:prstGeom prst="rect">
+            <a:avLst/>
+          </a:prstGeom>
+          <a:noFill/>
+        </p:spPr>
+        <p:txBody>
+          <a:bodyPr wrap="square" rtlCol="0">
+            <a:spAutoFit/>
+          </a:bodyPr>
+          <a:lstStyle/>
+          <a:p>
+            <a:r>
+              <a:rPr lang="en-US" dirty="0"/>
+              <a:t>Input</a:t>
+            </a:r>
+          </a:p>
+        </p:txBody>
+      </p:sp>
+      <p:sp>
+        <p:nvSpPr>
+          <p:cNvPr id="13" name="TextBox 12">
+            <a:extLst>
+              <a:ext uri="{FF2B5EF4-FFF2-40B4-BE49-F238E27FC236}">
+                <a16:creationId xmlns:a16="http://schemas.microsoft.com/office/drawing/2014/main" id="{F1990505-F801-4A0E-8B26-0F8937F94E27}"/>
+              </a:ext>
+            </a:extLst>
+          </p:cNvPr>
+          <p:cNvSpPr txBox="1"/>
+          <p:nvPr/>
+        </p:nvSpPr>
+        <p:spPr>
+          <a:xfrm>
+            <a:off x="4236036" y="812579"/>
+            <a:ext cx="2097248" cy="369332"/>
+          </a:xfrm>
+          <a:prstGeom prst="rect">
+            <a:avLst/>
+          </a:prstGeom>
+          <a:noFill/>
+        </p:spPr>
+        <p:txBody>
+          <a:bodyPr wrap="square" rtlCol="0">
+            <a:spAutoFit/>
+          </a:bodyPr>
+          <a:lstStyle/>
+          <a:p>
+            <a:r>
+              <a:rPr lang="en-US" dirty="0"/>
+              <a:t>Output</a:t>
+            </a:r>
+          </a:p>
+        </p:txBody>
+      </p:sp>
+      <p:sp>
+        <p:nvSpPr>
+          <p:cNvPr id="14" name="TextBox 13">
+            <a:extLst>
+              <a:ext uri="{FF2B5EF4-FFF2-40B4-BE49-F238E27FC236}">
+                <a16:creationId xmlns:a16="http://schemas.microsoft.com/office/drawing/2014/main" id="{CE1C0212-D0C2-41E9-8D22-47FEDFFD29A2}"/>
+              </a:ext>
+            </a:extLst>
+          </p:cNvPr>
+          <p:cNvSpPr txBox="1"/>
+          <p:nvPr/>
+        </p:nvSpPr>
+        <p:spPr>
+          <a:xfrm>
+            <a:off x="8192340" y="812579"/>
+            <a:ext cx="2097248" cy="369332"/>
+          </a:xfrm>
+          <a:prstGeom prst="rect">
+            <a:avLst/>
+          </a:prstGeom>
+          <a:noFill/>
+        </p:spPr>
+        <p:txBody>
+          <a:bodyPr wrap="square" rtlCol="0">
+            <a:spAutoFit/>
+          </a:bodyPr>
+          <a:lstStyle/>
+          <a:p>
+            <a:r>
+              <a:rPr lang="en-US" dirty="0"/>
+              <a:t>Prediction</a:t>
+            </a:r>
+          </a:p>
+        </p:txBody>
+      </p:sp>
+      <p:sp>
+        <p:nvSpPr>
+          <p:cNvPr id="15" name="TextBox 14">
+            <a:extLst>
+              <a:ext uri="{FF2B5EF4-FFF2-40B4-BE49-F238E27FC236}">
+                <a16:creationId xmlns:a16="http://schemas.microsoft.com/office/drawing/2014/main" id="{1FB68D00-7E00-4824-8920-E0C735133506}"/>
+              </a:ext>
+            </a:extLst>
+          </p:cNvPr>
+          <p:cNvSpPr txBox="1"/>
+          <p:nvPr/>
+        </p:nvSpPr>
+        <p:spPr>
+          <a:xfrm>
+            <a:off x="279731" y="297053"/>
+            <a:ext cx="6859300" cy="584775"/>
+          </a:xfrm>
+          <a:prstGeom prst="rect">
+            <a:avLst/>
+          </a:prstGeom>
+          <a:noFill/>
+        </p:spPr>
+        <p:txBody>
+          <a:bodyPr wrap="square" rtlCol="0">
+            <a:spAutoFit/>
+          </a:bodyPr>
+          <a:lstStyle/>
+          <a:p>
+            <a:r>
+              <a:rPr lang="en-US" sz="3200" dirty="0"/>
+              <a:t>Target Model w/o Transfer</a:t>
+            </a:r>
+          </a:p>
+        </p:txBody>
+      </p:sp>
+    </p:spTree>
+    <p:extLst>
+      <p:ext uri="{BB962C8B-B14F-4D97-AF65-F5344CB8AC3E}">
+        <p14:creationId xmlns:p14="http://schemas.microsoft.com/office/powerpoint/2010/main" val="3493270645"/>
+      </p:ext>
+    </p:extLst>
+  </p:cSld>
+  <p:clrMapOvr>
+    <a:masterClrMapping/>
+  </p:clrMapOvr>
+</p:sld>
+</file>
+
+<file path=ppt/slides/slide11.xml><?xml version="1.0" encoding="utf-8"?>
+<p:sld xmlns:a="http://schemas.openxmlformats.org/drawingml/2006/main" xmlns:r="http://schemas.openxmlformats.org/officeDocument/2006/relationships" xmlns:p="http://schemas.openxmlformats.org/presentationml/2006/main">
+  <p:cSld>
+    <p:spTree>
+      <p:nvGrpSpPr>
+        <p:cNvPr id="1" name=""/>
+        <p:cNvGrpSpPr/>
+        <p:nvPr/>
+      </p:nvGrpSpPr>
+      <p:grpSpPr>
+        <a:xfrm>
+          <a:off x="0" y="0"/>
+          <a:ext cx="0" cy="0"/>
+          <a:chOff x="0" y="0"/>
+          <a:chExt cx="0" cy="0"/>
+        </a:xfrm>
+      </p:grpSpPr>
+      <p:sp>
+        <p:nvSpPr>
+          <p:cNvPr id="5" name="TextBox 4">
+            <a:extLst>
+              <a:ext uri="{FF2B5EF4-FFF2-40B4-BE49-F238E27FC236}">
+                <a16:creationId xmlns:a16="http://schemas.microsoft.com/office/drawing/2014/main" id="{E1D0A296-107A-4446-95CF-1FEBDBFE6865}"/>
+              </a:ext>
+            </a:extLst>
+          </p:cNvPr>
+          <p:cNvSpPr txBox="1"/>
+          <p:nvPr/>
+        </p:nvSpPr>
+        <p:spPr>
+          <a:xfrm>
+            <a:off x="279732" y="799771"/>
+            <a:ext cx="2097248" cy="369332"/>
+          </a:xfrm>
+          <a:prstGeom prst="rect">
+            <a:avLst/>
+          </a:prstGeom>
+          <a:noFill/>
+        </p:spPr>
+        <p:txBody>
+          <a:bodyPr wrap="square" rtlCol="0">
+            <a:spAutoFit/>
+          </a:bodyPr>
+          <a:lstStyle/>
+          <a:p>
+            <a:r>
+              <a:rPr lang="en-US" dirty="0"/>
+              <a:t>Input</a:t>
+            </a:r>
+          </a:p>
+        </p:txBody>
+      </p:sp>
+      <p:sp>
+        <p:nvSpPr>
+          <p:cNvPr id="7" name="TextBox 6">
+            <a:extLst>
+              <a:ext uri="{FF2B5EF4-FFF2-40B4-BE49-F238E27FC236}">
+                <a16:creationId xmlns:a16="http://schemas.microsoft.com/office/drawing/2014/main" id="{1A79AC7E-BB44-47EB-B765-757508E902E9}"/>
+              </a:ext>
+            </a:extLst>
+          </p:cNvPr>
+          <p:cNvSpPr txBox="1"/>
+          <p:nvPr/>
+        </p:nvSpPr>
+        <p:spPr>
+          <a:xfrm>
+            <a:off x="4236036" y="799771"/>
+            <a:ext cx="2097248" cy="369332"/>
+          </a:xfrm>
+          <a:prstGeom prst="rect">
+            <a:avLst/>
+          </a:prstGeom>
+          <a:noFill/>
+        </p:spPr>
+        <p:txBody>
+          <a:bodyPr wrap="square" rtlCol="0">
+            <a:spAutoFit/>
+          </a:bodyPr>
+          <a:lstStyle/>
+          <a:p>
+            <a:r>
+              <a:rPr lang="en-US" dirty="0"/>
+              <a:t>Output</a:t>
+            </a:r>
+          </a:p>
+        </p:txBody>
+      </p:sp>
+      <p:sp>
+        <p:nvSpPr>
+          <p:cNvPr id="8" name="TextBox 7">
+            <a:extLst>
+              <a:ext uri="{FF2B5EF4-FFF2-40B4-BE49-F238E27FC236}">
+                <a16:creationId xmlns:a16="http://schemas.microsoft.com/office/drawing/2014/main" id="{4778E38D-6A96-47DC-A2B6-3D571D072125}"/>
+              </a:ext>
+            </a:extLst>
+          </p:cNvPr>
+          <p:cNvSpPr txBox="1"/>
+          <p:nvPr/>
+        </p:nvSpPr>
+        <p:spPr>
+          <a:xfrm>
+            <a:off x="8192340" y="799771"/>
+            <a:ext cx="2097248" cy="369332"/>
+          </a:xfrm>
+          <a:prstGeom prst="rect">
+            <a:avLst/>
+          </a:prstGeom>
+          <a:noFill/>
+        </p:spPr>
+        <p:txBody>
+          <a:bodyPr wrap="square" rtlCol="0">
+            <a:spAutoFit/>
+          </a:bodyPr>
+          <a:lstStyle/>
+          <a:p>
+            <a:r>
+              <a:rPr lang="en-US" dirty="0"/>
+              <a:t>Prediction</a:t>
+            </a:r>
+          </a:p>
+        </p:txBody>
+      </p:sp>
+      <p:sp>
+        <p:nvSpPr>
+          <p:cNvPr id="6" name="TextBox 5">
+            <a:extLst>
+              <a:ext uri="{FF2B5EF4-FFF2-40B4-BE49-F238E27FC236}">
+                <a16:creationId xmlns:a16="http://schemas.microsoft.com/office/drawing/2014/main" id="{C1027BF5-D4E6-49A7-82AF-5FC2B4517230}"/>
+              </a:ext>
+            </a:extLst>
+          </p:cNvPr>
+          <p:cNvSpPr txBox="1"/>
+          <p:nvPr/>
+        </p:nvSpPr>
+        <p:spPr>
+          <a:xfrm>
+            <a:off x="5512560" y="3467912"/>
+            <a:ext cx="2097248" cy="584775"/>
+          </a:xfrm>
+          <a:prstGeom prst="rect">
+            <a:avLst/>
+          </a:prstGeom>
+          <a:noFill/>
+        </p:spPr>
+        <p:txBody>
+          <a:bodyPr wrap="square" rtlCol="0">
+            <a:spAutoFit/>
+          </a:bodyPr>
+          <a:lstStyle/>
+          <a:p>
+            <a:r>
+              <a:rPr lang="en-US" sz="3200" dirty="0"/>
+              <a:t>.  .  .</a:t>
+            </a:r>
+          </a:p>
+        </p:txBody>
+      </p:sp>
+      <p:pic>
+        <p:nvPicPr>
+          <p:cNvPr id="10" name="Picture 2">
+            <a:extLst>
+              <a:ext uri="{FF2B5EF4-FFF2-40B4-BE49-F238E27FC236}">
+                <a16:creationId xmlns:a16="http://schemas.microsoft.com/office/drawing/2014/main" id="{9EB70987-FAD1-45B8-8060-392E165C9662}"/>
+              </a:ext>
+            </a:extLst>
+          </p:cNvPr>
+          <p:cNvPicPr>
+            <a:picLocks noChangeAspect="1" noChangeArrowheads="1"/>
+          </p:cNvPicPr>
+          <p:nvPr/>
+        </p:nvPicPr>
+        <p:blipFill rotWithShape="1">
+          <a:blip r:embed="rId2">
+            <a:extLst>
+              <a:ext uri="{28A0092B-C50C-407E-A947-70E740481C1C}">
+                <a14:useLocalDpi xmlns:a14="http://schemas.microsoft.com/office/drawing/2010/main" val="0"/>
+              </a:ext>
+            </a:extLst>
+          </a:blip>
+          <a:srcRect l="-1" t="10590" r="-249" b="78307"/>
+          <a:stretch/>
+        </p:blipFill>
+        <p:spPr bwMode="auto">
+          <a:xfrm>
+            <a:off x="433998" y="1283516"/>
+            <a:ext cx="11188991" cy="2378149"/>
+          </a:xfrm>
+          <a:prstGeom prst="rect">
+            <a:avLst/>
+          </a:prstGeom>
+          <a:noFill/>
+          <a:extLst>
+            <a:ext uri="{909E8E84-426E-40DD-AFC4-6F175D3DCCD1}">
+              <a14:hiddenFill xmlns:a14="http://schemas.microsoft.com/office/drawing/2010/main">
+                <a:solidFill>
+                  <a:srgbClr val="FFFFFF"/>
+                </a:solidFill>
+              </a14:hiddenFill>
+            </a:ext>
+          </a:extLst>
+        </p:spPr>
+      </p:pic>
+      <p:pic>
+        <p:nvPicPr>
+          <p:cNvPr id="11" name="Picture 2">
+            <a:extLst>
+              <a:ext uri="{FF2B5EF4-FFF2-40B4-BE49-F238E27FC236}">
+                <a16:creationId xmlns:a16="http://schemas.microsoft.com/office/drawing/2014/main" id="{49D344D1-AA1B-4B9B-AB4A-EE533660CC18}"/>
+              </a:ext>
+            </a:extLst>
+          </p:cNvPr>
+          <p:cNvPicPr>
+            <a:picLocks noChangeAspect="1" noChangeArrowheads="1"/>
+          </p:cNvPicPr>
+          <p:nvPr/>
+        </p:nvPicPr>
+        <p:blipFill rotWithShape="1">
+          <a:blip r:embed="rId2">
+            <a:extLst>
+              <a:ext uri="{28A0092B-C50C-407E-A947-70E740481C1C}">
+                <a14:useLocalDpi xmlns:a14="http://schemas.microsoft.com/office/drawing/2010/main" val="0"/>
+              </a:ext>
+            </a:extLst>
+          </a:blip>
+          <a:srcRect l="-1" t="87613" r="-249" b="1893"/>
+          <a:stretch/>
+        </p:blipFill>
+        <p:spPr bwMode="auto">
+          <a:xfrm>
+            <a:off x="433998" y="4052688"/>
+            <a:ext cx="11188991" cy="2247576"/>
+          </a:xfrm>
+          <a:prstGeom prst="rect">
+            <a:avLst/>
+          </a:prstGeom>
+          <a:noFill/>
+          <a:extLst>
+            <a:ext uri="{909E8E84-426E-40DD-AFC4-6F175D3DCCD1}">
+              <a14:hiddenFill xmlns:a14="http://schemas.microsoft.com/office/drawing/2010/main">
+                <a:solidFill>
+                  <a:srgbClr val="FFFFFF"/>
+                </a:solidFill>
+              </a14:hiddenFill>
+            </a:ext>
+          </a:extLst>
+        </p:spPr>
+      </p:pic>
+      <p:sp>
+        <p:nvSpPr>
+          <p:cNvPr id="12" name="TextBox 11">
+            <a:extLst>
+              <a:ext uri="{FF2B5EF4-FFF2-40B4-BE49-F238E27FC236}">
+                <a16:creationId xmlns:a16="http://schemas.microsoft.com/office/drawing/2014/main" id="{F023CE72-B907-4082-B5A4-7ADC3809F19E}"/>
+              </a:ext>
+            </a:extLst>
+          </p:cNvPr>
+          <p:cNvSpPr txBox="1"/>
+          <p:nvPr/>
+        </p:nvSpPr>
+        <p:spPr>
+          <a:xfrm>
+            <a:off x="279731" y="297053"/>
+            <a:ext cx="6859300" cy="584775"/>
+          </a:xfrm>
+          <a:prstGeom prst="rect">
+            <a:avLst/>
+          </a:prstGeom>
+          <a:noFill/>
+        </p:spPr>
+        <p:txBody>
+          <a:bodyPr wrap="square" rtlCol="0">
+            <a:spAutoFit/>
+          </a:bodyPr>
+          <a:lstStyle/>
+          <a:p>
+            <a:r>
+              <a:rPr lang="en-US" sz="3200" dirty="0"/>
+              <a:t>Target Model w/ Transfer</a:t>
+            </a:r>
+          </a:p>
+        </p:txBody>
+      </p:sp>
+    </p:spTree>
+    <p:extLst>
+      <p:ext uri="{BB962C8B-B14F-4D97-AF65-F5344CB8AC3E}">
+        <p14:creationId xmlns:p14="http://schemas.microsoft.com/office/powerpoint/2010/main" val="2569614746"/>
+      </p:ext>
+    </p:extLst>
+  </p:cSld>
+  <p:clrMapOvr>
+    <a:masterClrMapping/>
+  </p:clrMapOvr>
+</p:sld>
+</file>
+
+<file path=ppt/slides/slide12.xml><?xml version="1.0" encoding="utf-8"?>
+<p:sld xmlns:a="http://schemas.openxmlformats.org/drawingml/2006/main" xmlns:r="http://schemas.openxmlformats.org/officeDocument/2006/relationships" xmlns:p="http://schemas.openxmlformats.org/presentationml/2006/main">
+  <p:cSld>
+    <p:spTree>
+      <p:nvGrpSpPr>
+        <p:cNvPr id="1" name=""/>
+        <p:cNvGrpSpPr/>
+        <p:nvPr/>
+      </p:nvGrpSpPr>
+      <p:grpSpPr>
+        <a:xfrm>
+          <a:off x="0" y="0"/>
+          <a:ext cx="0" cy="0"/>
+          <a:chOff x="0" y="0"/>
+          <a:chExt cx="0" cy="0"/>
+        </a:xfrm>
+      </p:grpSpPr>
+      <p:sp>
+        <p:nvSpPr>
+          <p:cNvPr id="5" name="TextBox 4">
+            <a:extLst>
+              <a:ext uri="{FF2B5EF4-FFF2-40B4-BE49-F238E27FC236}">
+                <a16:creationId xmlns:a16="http://schemas.microsoft.com/office/drawing/2014/main" id="{E1D0A296-107A-4446-95CF-1FEBDBFE6865}"/>
+              </a:ext>
+            </a:extLst>
+          </p:cNvPr>
+          <p:cNvSpPr txBox="1"/>
+          <p:nvPr/>
+        </p:nvSpPr>
+        <p:spPr>
+          <a:xfrm>
+            <a:off x="2356902" y="2507772"/>
+            <a:ext cx="2097248" cy="369332"/>
+          </a:xfrm>
+          <a:prstGeom prst="rect">
+            <a:avLst/>
+          </a:prstGeom>
+          <a:noFill/>
+        </p:spPr>
+        <p:txBody>
+          <a:bodyPr wrap="square" rtlCol="0">
+            <a:spAutoFit/>
+          </a:bodyPr>
+          <a:lstStyle/>
+          <a:p>
+            <a:r>
+              <a:rPr lang="en-US" dirty="0"/>
+              <a:t>Input</a:t>
+            </a:r>
+          </a:p>
+        </p:txBody>
+      </p:sp>
+      <p:sp>
+        <p:nvSpPr>
+          <p:cNvPr id="7" name="TextBox 6">
+            <a:extLst>
+              <a:ext uri="{FF2B5EF4-FFF2-40B4-BE49-F238E27FC236}">
+                <a16:creationId xmlns:a16="http://schemas.microsoft.com/office/drawing/2014/main" id="{1A79AC7E-BB44-47EB-B765-757508E902E9}"/>
+              </a:ext>
+            </a:extLst>
+          </p:cNvPr>
+          <p:cNvSpPr txBox="1"/>
+          <p:nvPr/>
+        </p:nvSpPr>
+        <p:spPr>
+          <a:xfrm>
+            <a:off x="2356902" y="3529964"/>
+            <a:ext cx="2097248" cy="369332"/>
+          </a:xfrm>
+          <a:prstGeom prst="rect">
+            <a:avLst/>
+          </a:prstGeom>
+          <a:noFill/>
+        </p:spPr>
+        <p:txBody>
+          <a:bodyPr wrap="square" rtlCol="0">
+            <a:spAutoFit/>
+          </a:bodyPr>
+          <a:lstStyle/>
+          <a:p>
+            <a:r>
+              <a:rPr lang="en-US" dirty="0"/>
+              <a:t>Label</a:t>
+            </a:r>
+          </a:p>
+        </p:txBody>
+      </p:sp>
+      <p:sp>
+        <p:nvSpPr>
+          <p:cNvPr id="8" name="TextBox 7">
+            <a:extLst>
+              <a:ext uri="{FF2B5EF4-FFF2-40B4-BE49-F238E27FC236}">
+                <a16:creationId xmlns:a16="http://schemas.microsoft.com/office/drawing/2014/main" id="{4778E38D-6A96-47DC-A2B6-3D571D072125}"/>
+              </a:ext>
+            </a:extLst>
+          </p:cNvPr>
+          <p:cNvSpPr txBox="1"/>
+          <p:nvPr/>
+        </p:nvSpPr>
+        <p:spPr>
+          <a:xfrm>
+            <a:off x="1950931" y="4552155"/>
+            <a:ext cx="2097248" cy="369332"/>
+          </a:xfrm>
+          <a:prstGeom prst="rect">
+            <a:avLst/>
+          </a:prstGeom>
+          <a:noFill/>
+        </p:spPr>
+        <p:txBody>
+          <a:bodyPr wrap="square" rtlCol="0">
+            <a:spAutoFit/>
+          </a:bodyPr>
+          <a:lstStyle/>
+          <a:p>
+            <a:r>
+              <a:rPr lang="en-US" dirty="0"/>
+              <a:t>Prediction</a:t>
+            </a:r>
+          </a:p>
+        </p:txBody>
+      </p:sp>
+      <p:pic>
+        <p:nvPicPr>
+          <p:cNvPr id="11" name="Picture 2">
+            <a:extLst>
+              <a:ext uri="{FF2B5EF4-FFF2-40B4-BE49-F238E27FC236}">
+                <a16:creationId xmlns:a16="http://schemas.microsoft.com/office/drawing/2014/main" id="{49D344D1-AA1B-4B9B-AB4A-EE533660CC18}"/>
+              </a:ext>
+            </a:extLst>
+          </p:cNvPr>
+          <p:cNvPicPr>
+            <a:picLocks noChangeAspect="1" noChangeArrowheads="1"/>
+          </p:cNvPicPr>
+          <p:nvPr/>
+        </p:nvPicPr>
+        <p:blipFill rotWithShape="1">
+          <a:blip r:embed="rId2">
+            <a:extLst>
+              <a:ext uri="{28A0092B-C50C-407E-A947-70E740481C1C}">
+                <a14:useLocalDpi xmlns:a14="http://schemas.microsoft.com/office/drawing/2010/main" val="0"/>
+              </a:ext>
+            </a:extLst>
+          </a:blip>
+          <a:srcRect l="-1" t="89502" r="68115" b="7181"/>
+          <a:stretch/>
+        </p:blipFill>
+        <p:spPr bwMode="auto">
+          <a:xfrm>
+            <a:off x="3370540" y="2182041"/>
+            <a:ext cx="4948422" cy="987804"/>
+          </a:xfrm>
+          <a:prstGeom prst="rect">
+            <a:avLst/>
+          </a:prstGeom>
+          <a:noFill/>
+          <a:extLst>
+            <a:ext uri="{909E8E84-426E-40DD-AFC4-6F175D3DCCD1}">
+              <a14:hiddenFill xmlns:a14="http://schemas.microsoft.com/office/drawing/2010/main">
+                <a:solidFill>
+                  <a:srgbClr val="FFFFFF"/>
+                </a:solidFill>
+              </a14:hiddenFill>
+            </a:ext>
+          </a:extLst>
+        </p:spPr>
+      </p:pic>
+      <p:sp>
+        <p:nvSpPr>
+          <p:cNvPr id="12" name="TextBox 11">
+            <a:extLst>
+              <a:ext uri="{FF2B5EF4-FFF2-40B4-BE49-F238E27FC236}">
+                <a16:creationId xmlns:a16="http://schemas.microsoft.com/office/drawing/2014/main" id="{F023CE72-B907-4082-B5A4-7ADC3809F19E}"/>
+              </a:ext>
+            </a:extLst>
+          </p:cNvPr>
+          <p:cNvSpPr txBox="1"/>
+          <p:nvPr/>
+        </p:nvSpPr>
+        <p:spPr>
+          <a:xfrm>
+            <a:off x="279731" y="297053"/>
+            <a:ext cx="6859300" cy="584775"/>
+          </a:xfrm>
+          <a:prstGeom prst="rect">
+            <a:avLst/>
+          </a:prstGeom>
+          <a:noFill/>
+        </p:spPr>
+        <p:txBody>
+          <a:bodyPr wrap="square" rtlCol="0">
+            <a:spAutoFit/>
+          </a:bodyPr>
+          <a:lstStyle/>
+          <a:p>
+            <a:r>
+              <a:rPr lang="en-US" sz="3200" dirty="0"/>
+              <a:t>Target Model w/ Transfer</a:t>
+            </a:r>
+          </a:p>
+        </p:txBody>
+      </p:sp>
+      <p:pic>
+        <p:nvPicPr>
+          <p:cNvPr id="9" name="Picture 2">
+            <a:extLst>
+              <a:ext uri="{FF2B5EF4-FFF2-40B4-BE49-F238E27FC236}">
+                <a16:creationId xmlns:a16="http://schemas.microsoft.com/office/drawing/2014/main" id="{A66A0C3A-9D61-401A-B1AD-5E5020CFAD12}"/>
+              </a:ext>
+            </a:extLst>
+          </p:cNvPr>
+          <p:cNvPicPr>
+            <a:picLocks noChangeAspect="1" noChangeArrowheads="1"/>
+          </p:cNvPicPr>
+          <p:nvPr/>
+        </p:nvPicPr>
+        <p:blipFill rotWithShape="1">
+          <a:blip r:embed="rId2">
+            <a:extLst>
+              <a:ext uri="{28A0092B-C50C-407E-A947-70E740481C1C}">
+                <a14:useLocalDpi xmlns:a14="http://schemas.microsoft.com/office/drawing/2010/main" val="0"/>
+              </a:ext>
+            </a:extLst>
+          </a:blip>
+          <a:srcRect l="34666" t="89502" r="33449" b="7181"/>
+          <a:stretch/>
+        </p:blipFill>
+        <p:spPr bwMode="auto">
+          <a:xfrm>
+            <a:off x="3280095" y="3237956"/>
+            <a:ext cx="4948422" cy="987804"/>
+          </a:xfrm>
+          <a:prstGeom prst="rect">
+            <a:avLst/>
+          </a:prstGeom>
+          <a:noFill/>
+          <a:extLst>
+            <a:ext uri="{909E8E84-426E-40DD-AFC4-6F175D3DCCD1}">
+              <a14:hiddenFill xmlns:a14="http://schemas.microsoft.com/office/drawing/2010/main">
+                <a:solidFill>
+                  <a:srgbClr val="FFFFFF"/>
+                </a:solidFill>
+              </a14:hiddenFill>
+            </a:ext>
+          </a:extLst>
+        </p:spPr>
+      </p:pic>
+      <p:pic>
+        <p:nvPicPr>
+          <p:cNvPr id="13" name="Picture 2">
+            <a:extLst>
+              <a:ext uri="{FF2B5EF4-FFF2-40B4-BE49-F238E27FC236}">
+                <a16:creationId xmlns:a16="http://schemas.microsoft.com/office/drawing/2014/main" id="{D838D927-3A57-4BD6-9B88-0D4503339369}"/>
+              </a:ext>
+            </a:extLst>
+          </p:cNvPr>
+          <p:cNvPicPr>
+            <a:picLocks noChangeAspect="1" noChangeArrowheads="1"/>
+          </p:cNvPicPr>
+          <p:nvPr/>
+        </p:nvPicPr>
+        <p:blipFill rotWithShape="1">
+          <a:blip r:embed="rId2">
+            <a:extLst>
+              <a:ext uri="{28A0092B-C50C-407E-A947-70E740481C1C}">
+                <a14:useLocalDpi xmlns:a14="http://schemas.microsoft.com/office/drawing/2010/main" val="0"/>
+              </a:ext>
+            </a:extLst>
+          </a:blip>
+          <a:srcRect l="68364" t="89156" r="-250" b="7181"/>
+          <a:stretch/>
+        </p:blipFill>
+        <p:spPr bwMode="auto">
+          <a:xfrm>
+            <a:off x="3076925" y="4191304"/>
+            <a:ext cx="4948422" cy="1091035"/>
+          </a:xfrm>
+          <a:prstGeom prst="rect">
+            <a:avLst/>
+          </a:prstGeom>
+          <a:noFill/>
+          <a:extLst>
+            <a:ext uri="{909E8E84-426E-40DD-AFC4-6F175D3DCCD1}">
+              <a14:hiddenFill xmlns:a14="http://schemas.microsoft.com/office/drawing/2010/main">
+                <a:solidFill>
+                  <a:srgbClr val="FFFFFF"/>
+                </a:solidFill>
+              </a14:hiddenFill>
+            </a:ext>
+          </a:extLst>
+        </p:spPr>
+      </p:pic>
+    </p:spTree>
+    <p:extLst>
+      <p:ext uri="{BB962C8B-B14F-4D97-AF65-F5344CB8AC3E}">
+        <p14:creationId xmlns:p14="http://schemas.microsoft.com/office/powerpoint/2010/main" val="970898189"/>
+      </p:ext>
+    </p:extLst>
+  </p:cSld>
+  <p:clrMapOvr>
+    <a:masterClrMapping/>
+  </p:clrMapOvr>
+</p:sld>
+</file>
+
+<file path=ppt/slides/slide13.xml><?xml version="1.0" encoding="utf-8"?>
+<p:sld xmlns:a="http://schemas.openxmlformats.org/drawingml/2006/main" xmlns:r="http://schemas.openxmlformats.org/officeDocument/2006/relationships" xmlns:p="http://schemas.openxmlformats.org/presentationml/2006/main">
+  <p:cSld>
+    <p:spTree>
+      <p:nvGrpSpPr>
+        <p:cNvPr id="1" name=""/>
+        <p:cNvGrpSpPr/>
+        <p:nvPr/>
+      </p:nvGrpSpPr>
+      <p:grpSpPr>
+        <a:xfrm>
+          <a:off x="0" y="0"/>
+          <a:ext cx="0" cy="0"/>
+          <a:chOff x="0" y="0"/>
+          <a:chExt cx="0" cy="0"/>
+        </a:xfrm>
+      </p:grpSpPr>
+      <p:pic>
+        <p:nvPicPr>
+          <p:cNvPr id="3" name="Picture 4">
+            <a:extLst>
+              <a:ext uri="{FF2B5EF4-FFF2-40B4-BE49-F238E27FC236}">
+                <a16:creationId xmlns:a16="http://schemas.microsoft.com/office/drawing/2014/main" id="{33BC7AE7-51C6-46E9-AC7B-7856DC16EF59}"/>
+              </a:ext>
+            </a:extLst>
+          </p:cNvPr>
+          <p:cNvPicPr>
+            <a:picLocks noChangeAspect="1" noChangeArrowheads="1"/>
+          </p:cNvPicPr>
+          <p:nvPr/>
+        </p:nvPicPr>
+        <p:blipFill>
+          <a:blip r:embed="rId2">
+            <a:extLst>
+              <a:ext uri="{28A0092B-C50C-407E-A947-70E740481C1C}">
+                <a14:useLocalDpi xmlns:a14="http://schemas.microsoft.com/office/drawing/2010/main" val="0"/>
+              </a:ext>
+            </a:extLst>
+          </a:blip>
+          <a:srcRect/>
+          <a:stretch>
+            <a:fillRect/>
+          </a:stretch>
+        </p:blipFill>
+        <p:spPr bwMode="auto">
+          <a:xfrm>
+            <a:off x="4263949" y="1764769"/>
+            <a:ext cx="3253050" cy="2371004"/>
+          </a:xfrm>
+          <a:prstGeom prst="rect">
+            <a:avLst/>
+          </a:prstGeom>
+          <a:noFill/>
+          <a:extLst>
+            <a:ext uri="{909E8E84-426E-40DD-AFC4-6F175D3DCCD1}">
+              <a14:hiddenFill xmlns:a14="http://schemas.microsoft.com/office/drawing/2010/main">
+                <a:solidFill>
+                  <a:srgbClr val="FFFFFF"/>
+                </a:solidFill>
+              </a14:hiddenFill>
+            </a:ext>
+          </a:extLst>
+        </p:spPr>
+      </p:pic>
+      <p:sp>
+        <p:nvSpPr>
+          <p:cNvPr id="2" name="TextBox 1">
+            <a:extLst>
+              <a:ext uri="{FF2B5EF4-FFF2-40B4-BE49-F238E27FC236}">
+                <a16:creationId xmlns:a16="http://schemas.microsoft.com/office/drawing/2014/main" id="{DB0B0BBA-297A-4E83-8E74-52AE555A613F}"/>
+              </a:ext>
+            </a:extLst>
+          </p:cNvPr>
+          <p:cNvSpPr txBox="1"/>
+          <p:nvPr/>
+        </p:nvSpPr>
+        <p:spPr>
+          <a:xfrm>
+            <a:off x="4435091" y="980601"/>
+            <a:ext cx="3056277" cy="369332"/>
+          </a:xfrm>
+          <a:prstGeom prst="rect">
+            <a:avLst/>
+          </a:prstGeom>
+          <a:noFill/>
+        </p:spPr>
+        <p:txBody>
+          <a:bodyPr wrap="square" rtlCol="0">
+            <a:spAutoFit/>
+          </a:bodyPr>
+          <a:lstStyle/>
+          <a:p>
+            <a:r>
+              <a:rPr lang="en-US" dirty="0"/>
+              <a:t>Target Model (w/o transfer)</a:t>
+            </a:r>
+          </a:p>
+        </p:txBody>
+      </p:sp>
+      <p:pic>
+        <p:nvPicPr>
+          <p:cNvPr id="3074" name="Picture 2">
+            <a:extLst>
+              <a:ext uri="{FF2B5EF4-FFF2-40B4-BE49-F238E27FC236}">
+                <a16:creationId xmlns:a16="http://schemas.microsoft.com/office/drawing/2014/main" id="{0FF8B7F5-DE01-4401-ADFE-6C5357264438}"/>
+              </a:ext>
+            </a:extLst>
+          </p:cNvPr>
+          <p:cNvPicPr>
+            <a:picLocks noChangeAspect="1" noChangeArrowheads="1"/>
+          </p:cNvPicPr>
+          <p:nvPr/>
+        </p:nvPicPr>
+        <p:blipFill>
+          <a:blip r:embed="rId3">
+            <a:extLst>
+              <a:ext uri="{28A0092B-C50C-407E-A947-70E740481C1C}">
+                <a14:useLocalDpi xmlns:a14="http://schemas.microsoft.com/office/drawing/2010/main" val="0"/>
+              </a:ext>
+            </a:extLst>
+          </a:blip>
+          <a:srcRect/>
+          <a:stretch>
+            <a:fillRect/>
+          </a:stretch>
+        </p:blipFill>
+        <p:spPr bwMode="auto">
+          <a:xfrm>
+            <a:off x="680424" y="1702032"/>
+            <a:ext cx="3253050" cy="2371004"/>
+          </a:xfrm>
+          <a:prstGeom prst="rect">
+            <a:avLst/>
+          </a:prstGeom>
+          <a:noFill/>
+          <a:extLst>
+            <a:ext uri="{909E8E84-426E-40DD-AFC4-6F175D3DCCD1}">
+              <a14:hiddenFill xmlns:a14="http://schemas.microsoft.com/office/drawing/2010/main">
+                <a:solidFill>
+                  <a:srgbClr val="FFFFFF"/>
+                </a:solidFill>
+              </a14:hiddenFill>
+            </a:ext>
+          </a:extLst>
+        </p:spPr>
+      </p:pic>
+      <p:sp>
+        <p:nvSpPr>
+          <p:cNvPr id="7" name="TextBox 6">
+            <a:extLst>
+              <a:ext uri="{FF2B5EF4-FFF2-40B4-BE49-F238E27FC236}">
+                <a16:creationId xmlns:a16="http://schemas.microsoft.com/office/drawing/2014/main" id="{65CFBC36-69A4-4335-9ED7-6946F1B5776F}"/>
+              </a:ext>
+            </a:extLst>
+          </p:cNvPr>
+          <p:cNvSpPr txBox="1"/>
+          <p:nvPr/>
+        </p:nvSpPr>
+        <p:spPr>
+          <a:xfrm>
+            <a:off x="1273616" y="976862"/>
+            <a:ext cx="2097248" cy="369332"/>
+          </a:xfrm>
+          <a:prstGeom prst="rect">
+            <a:avLst/>
+          </a:prstGeom>
+          <a:noFill/>
+        </p:spPr>
+        <p:txBody>
+          <a:bodyPr wrap="square" rtlCol="0">
+            <a:spAutoFit/>
+          </a:bodyPr>
+          <a:lstStyle/>
+          <a:p>
+            <a:r>
+              <a:rPr lang="en-US" dirty="0"/>
+              <a:t>Source Model</a:t>
+            </a:r>
+          </a:p>
+        </p:txBody>
+      </p:sp>
+      <p:pic>
+        <p:nvPicPr>
+          <p:cNvPr id="2050" name="Picture 2">
+            <a:extLst>
+              <a:ext uri="{FF2B5EF4-FFF2-40B4-BE49-F238E27FC236}">
+                <a16:creationId xmlns:a16="http://schemas.microsoft.com/office/drawing/2014/main" id="{0AD02724-A824-4FEC-8C6E-94B59BC43A4E}"/>
+              </a:ext>
+            </a:extLst>
+          </p:cNvPr>
+          <p:cNvPicPr>
+            <a:picLocks noChangeAspect="1" noChangeArrowheads="1"/>
+          </p:cNvPicPr>
+          <p:nvPr/>
+        </p:nvPicPr>
+        <p:blipFill>
+          <a:blip r:embed="rId4">
+            <a:extLst>
+              <a:ext uri="{28A0092B-C50C-407E-A947-70E740481C1C}">
+                <a14:useLocalDpi xmlns:a14="http://schemas.microsoft.com/office/drawing/2010/main" val="0"/>
+              </a:ext>
+            </a:extLst>
+          </a:blip>
+          <a:srcRect/>
+          <a:stretch>
+            <a:fillRect/>
+          </a:stretch>
+        </p:blipFill>
+        <p:spPr bwMode="auto">
+          <a:xfrm>
+            <a:off x="7859698" y="1764769"/>
+            <a:ext cx="3269618" cy="2371282"/>
+          </a:xfrm>
+          <a:prstGeom prst="rect">
+            <a:avLst/>
+          </a:prstGeom>
+          <a:noFill/>
+          <a:extLst>
+            <a:ext uri="{909E8E84-426E-40DD-AFC4-6F175D3DCCD1}">
+              <a14:hiddenFill xmlns:a14="http://schemas.microsoft.com/office/drawing/2010/main">
+                <a:solidFill>
+                  <a:srgbClr val="FFFFFF"/>
+                </a:solidFill>
+              </a14:hiddenFill>
+            </a:ext>
+          </a:extLst>
+        </p:spPr>
+      </p:pic>
+      <p:sp>
+        <p:nvSpPr>
+          <p:cNvPr id="8" name="TextBox 7">
+            <a:extLst>
+              <a:ext uri="{FF2B5EF4-FFF2-40B4-BE49-F238E27FC236}">
+                <a16:creationId xmlns:a16="http://schemas.microsoft.com/office/drawing/2014/main" id="{6F7DB0E1-A651-49C8-90E4-62562CF10097}"/>
+              </a:ext>
+            </a:extLst>
+          </p:cNvPr>
+          <p:cNvSpPr txBox="1"/>
+          <p:nvPr/>
+        </p:nvSpPr>
+        <p:spPr>
+          <a:xfrm>
+            <a:off x="8203146" y="977349"/>
+            <a:ext cx="3056277" cy="369332"/>
+          </a:xfrm>
+          <a:prstGeom prst="rect">
+            <a:avLst/>
+          </a:prstGeom>
+          <a:noFill/>
+        </p:spPr>
+        <p:txBody>
+          <a:bodyPr wrap="square" rtlCol="0">
+            <a:spAutoFit/>
+          </a:bodyPr>
+          <a:lstStyle/>
+          <a:p>
+            <a:r>
+              <a:rPr lang="en-US" dirty="0"/>
+              <a:t>Target Model (w/ transfer)</a:t>
+            </a:r>
+          </a:p>
+        </p:txBody>
+      </p:sp>
+      <p:sp>
+        <p:nvSpPr>
+          <p:cNvPr id="11" name="Arrow: Right 10">
+            <a:extLst>
+              <a:ext uri="{FF2B5EF4-FFF2-40B4-BE49-F238E27FC236}">
+                <a16:creationId xmlns:a16="http://schemas.microsoft.com/office/drawing/2014/main" id="{E36226EC-368C-4072-A64A-5251B40588D4}"/>
+              </a:ext>
+            </a:extLst>
+          </p:cNvPr>
+          <p:cNvSpPr/>
+          <p:nvPr/>
+        </p:nvSpPr>
+        <p:spPr>
+          <a:xfrm>
+            <a:off x="7583646" y="2172749"/>
+            <a:ext cx="368330" cy="151001"/>
+          </a:xfrm>
+          <a:prstGeom prst="rightArrow">
+            <a:avLst/>
+          </a:prstGeom>
+          <a:solidFill>
+            <a:srgbClr val="FF0000"/>
+          </a:solidFill>
+          <a:ln>
+            <a:solidFill>
+              <a:srgbClr val="FF0000"/>
+            </a:solidFill>
+          </a:ln>
+        </p:spPr>
+        <p:style>
+          <a:lnRef idx="2">
+            <a:schemeClr val="accent2">
+              <a:shade val="50000"/>
+            </a:schemeClr>
+          </a:lnRef>
+          <a:fillRef idx="1">
+            <a:schemeClr val="accent2"/>
+          </a:fillRef>
+          <a:effectRef idx="0">
+            <a:schemeClr val="accent2"/>
+          </a:effectRef>
+          <a:fontRef idx="minor">
+            <a:schemeClr val="lt1"/>
+          </a:fontRef>
+        </p:style>
+        <p:txBody>
+          <a:bodyPr rtlCol="0" anchor="ctr"/>
+          <a:lstStyle/>
+          <a:p>
+            <a:pPr algn="ctr"/>
+            <a:endParaRPr lang="en-US"/>
+          </a:p>
+        </p:txBody>
+      </p:sp>
+    </p:spTree>
+    <p:extLst>
+      <p:ext uri="{BB962C8B-B14F-4D97-AF65-F5344CB8AC3E}">
+        <p14:creationId xmlns:p14="http://schemas.microsoft.com/office/powerpoint/2010/main" val="152576911"/>
+      </p:ext>
+    </p:extLst>
+  </p:cSld>
+  <p:clrMapOvr>
+    <a:masterClrMapping/>
+  </p:clrMapOvr>
+</p:sld>
+</file>
+
 <file path=ppt/slides/slide2.xml><?xml version="1.0" encoding="utf-8"?>
 <p:sld xmlns:a="http://schemas.openxmlformats.org/drawingml/2006/main" xmlns:r="http://schemas.openxmlformats.org/officeDocument/2006/relationships" xmlns:p="http://schemas.openxmlformats.org/presentationml/2006/main">
   <p:cSld>
@@ -4547,6 +5777,301 @@
     <p:extLst>
       <p:ext uri="{BB962C8B-B14F-4D97-AF65-F5344CB8AC3E}">
         <p14:creationId xmlns:p14="http://schemas.microsoft.com/office/powerpoint/2010/main" val="4027569951"/>
+      </p:ext>
+    </p:extLst>
+  </p:cSld>
+  <p:clrMapOvr>
+    <a:masterClrMapping/>
+  </p:clrMapOvr>
+</p:sld>
+</file>
+
+<file path=ppt/slides/slide9.xml><?xml version="1.0" encoding="utf-8"?>
+<p:sld xmlns:a="http://schemas.openxmlformats.org/drawingml/2006/main" xmlns:r="http://schemas.openxmlformats.org/officeDocument/2006/relationships" xmlns:p="http://schemas.openxmlformats.org/presentationml/2006/main">
+  <p:cSld>
+    <p:spTree>
+      <p:nvGrpSpPr>
+        <p:cNvPr id="1" name=""/>
+        <p:cNvGrpSpPr/>
+        <p:nvPr/>
+      </p:nvGrpSpPr>
+      <p:grpSpPr>
+        <a:xfrm>
+          <a:off x="0" y="0"/>
+          <a:ext cx="0" cy="0"/>
+          <a:chOff x="0" y="0"/>
+          <a:chExt cx="0" cy="0"/>
+        </a:xfrm>
+      </p:grpSpPr>
+      <p:pic>
+        <p:nvPicPr>
+          <p:cNvPr id="4" name="Picture 2">
+            <a:extLst>
+              <a:ext uri="{FF2B5EF4-FFF2-40B4-BE49-F238E27FC236}">
+                <a16:creationId xmlns:a16="http://schemas.microsoft.com/office/drawing/2014/main" id="{99DC0499-B93A-4282-852B-313FD1BA165F}"/>
+              </a:ext>
+            </a:extLst>
+          </p:cNvPr>
+          <p:cNvPicPr>
+            <a:picLocks noChangeAspect="1" noChangeArrowheads="1"/>
+          </p:cNvPicPr>
+          <p:nvPr/>
+        </p:nvPicPr>
+        <p:blipFill rotWithShape="1">
+          <a:blip r:embed="rId2">
+            <a:extLst>
+              <a:ext uri="{28A0092B-C50C-407E-A947-70E740481C1C}">
+                <a14:useLocalDpi xmlns:a14="http://schemas.microsoft.com/office/drawing/2010/main" val="0"/>
+              </a:ext>
+            </a:extLst>
+          </a:blip>
+          <a:srcRect t="92597"/>
+          <a:stretch/>
+        </p:blipFill>
+        <p:spPr bwMode="auto">
+          <a:xfrm>
+            <a:off x="417220" y="4379052"/>
+            <a:ext cx="11131896" cy="2478947"/>
+          </a:xfrm>
+          <a:prstGeom prst="rect">
+            <a:avLst/>
+          </a:prstGeom>
+          <a:noFill/>
+          <a:extLst>
+            <a:ext uri="{909E8E84-426E-40DD-AFC4-6F175D3DCCD1}">
+              <a14:hiddenFill xmlns:a14="http://schemas.microsoft.com/office/drawing/2010/main">
+                <a:solidFill>
+                  <a:srgbClr val="FFFFFF"/>
+                </a:solidFill>
+              </a14:hiddenFill>
+            </a:ext>
+          </a:extLst>
+        </p:spPr>
+      </p:pic>
+      <p:sp>
+        <p:nvSpPr>
+          <p:cNvPr id="5" name="TextBox 4">
+            <a:extLst>
+              <a:ext uri="{FF2B5EF4-FFF2-40B4-BE49-F238E27FC236}">
+                <a16:creationId xmlns:a16="http://schemas.microsoft.com/office/drawing/2014/main" id="{E1D0A296-107A-4446-95CF-1FEBDBFE6865}"/>
+              </a:ext>
+            </a:extLst>
+          </p:cNvPr>
+          <p:cNvSpPr txBox="1"/>
+          <p:nvPr/>
+        </p:nvSpPr>
+        <p:spPr>
+          <a:xfrm>
+            <a:off x="279732" y="812579"/>
+            <a:ext cx="2097248" cy="369332"/>
+          </a:xfrm>
+          <a:prstGeom prst="rect">
+            <a:avLst/>
+          </a:prstGeom>
+          <a:noFill/>
+        </p:spPr>
+        <p:txBody>
+          <a:bodyPr wrap="square" rtlCol="0">
+            <a:spAutoFit/>
+          </a:bodyPr>
+          <a:lstStyle/>
+          <a:p>
+            <a:r>
+              <a:rPr lang="en-US" dirty="0"/>
+              <a:t>Input</a:t>
+            </a:r>
+          </a:p>
+        </p:txBody>
+      </p:sp>
+      <p:sp>
+        <p:nvSpPr>
+          <p:cNvPr id="7" name="TextBox 6">
+            <a:extLst>
+              <a:ext uri="{FF2B5EF4-FFF2-40B4-BE49-F238E27FC236}">
+                <a16:creationId xmlns:a16="http://schemas.microsoft.com/office/drawing/2014/main" id="{1A79AC7E-BB44-47EB-B765-757508E902E9}"/>
+              </a:ext>
+            </a:extLst>
+          </p:cNvPr>
+          <p:cNvSpPr txBox="1"/>
+          <p:nvPr/>
+        </p:nvSpPr>
+        <p:spPr>
+          <a:xfrm>
+            <a:off x="4236036" y="812579"/>
+            <a:ext cx="2097248" cy="369332"/>
+          </a:xfrm>
+          <a:prstGeom prst="rect">
+            <a:avLst/>
+          </a:prstGeom>
+          <a:noFill/>
+        </p:spPr>
+        <p:txBody>
+          <a:bodyPr wrap="square" rtlCol="0">
+            <a:spAutoFit/>
+          </a:bodyPr>
+          <a:lstStyle/>
+          <a:p>
+            <a:r>
+              <a:rPr lang="en-US" dirty="0"/>
+              <a:t>Output</a:t>
+            </a:r>
+          </a:p>
+        </p:txBody>
+      </p:sp>
+      <p:sp>
+        <p:nvSpPr>
+          <p:cNvPr id="8" name="TextBox 7">
+            <a:extLst>
+              <a:ext uri="{FF2B5EF4-FFF2-40B4-BE49-F238E27FC236}">
+                <a16:creationId xmlns:a16="http://schemas.microsoft.com/office/drawing/2014/main" id="{4778E38D-6A96-47DC-A2B6-3D571D072125}"/>
+              </a:ext>
+            </a:extLst>
+          </p:cNvPr>
+          <p:cNvSpPr txBox="1"/>
+          <p:nvPr/>
+        </p:nvSpPr>
+        <p:spPr>
+          <a:xfrm>
+            <a:off x="8192340" y="812579"/>
+            <a:ext cx="2097248" cy="369332"/>
+          </a:xfrm>
+          <a:prstGeom prst="rect">
+            <a:avLst/>
+          </a:prstGeom>
+          <a:noFill/>
+        </p:spPr>
+        <p:txBody>
+          <a:bodyPr wrap="square" rtlCol="0">
+            <a:spAutoFit/>
+          </a:bodyPr>
+          <a:lstStyle/>
+          <a:p>
+            <a:r>
+              <a:rPr lang="en-US" dirty="0"/>
+              <a:t>Prediction</a:t>
+            </a:r>
+          </a:p>
+        </p:txBody>
+      </p:sp>
+      <p:sp>
+        <p:nvSpPr>
+          <p:cNvPr id="6" name="TextBox 5">
+            <a:extLst>
+              <a:ext uri="{FF2B5EF4-FFF2-40B4-BE49-F238E27FC236}">
+                <a16:creationId xmlns:a16="http://schemas.microsoft.com/office/drawing/2014/main" id="{C1027BF5-D4E6-49A7-82AF-5FC2B4517230}"/>
+              </a:ext>
+            </a:extLst>
+          </p:cNvPr>
+          <p:cNvSpPr txBox="1"/>
+          <p:nvPr/>
+        </p:nvSpPr>
+        <p:spPr>
+          <a:xfrm>
+            <a:off x="5512560" y="3660859"/>
+            <a:ext cx="2097248" cy="584775"/>
+          </a:xfrm>
+          <a:prstGeom prst="rect">
+            <a:avLst/>
+          </a:prstGeom>
+          <a:noFill/>
+        </p:spPr>
+        <p:txBody>
+          <a:bodyPr wrap="square" rtlCol="0">
+            <a:spAutoFit/>
+          </a:bodyPr>
+          <a:lstStyle/>
+          <a:p>
+            <a:r>
+              <a:rPr lang="en-US" sz="3200" dirty="0"/>
+              <a:t>.  .  .</a:t>
+            </a:r>
+          </a:p>
+        </p:txBody>
+      </p:sp>
+      <p:pic>
+        <p:nvPicPr>
+          <p:cNvPr id="9" name="Picture 2">
+            <a:extLst>
+              <a:ext uri="{FF2B5EF4-FFF2-40B4-BE49-F238E27FC236}">
+                <a16:creationId xmlns:a16="http://schemas.microsoft.com/office/drawing/2014/main" id="{C01A881F-6722-41EE-BB79-38CA610F8014}"/>
+              </a:ext>
+            </a:extLst>
+          </p:cNvPr>
+          <p:cNvPicPr>
+            <a:picLocks noChangeAspect="1" noChangeArrowheads="1"/>
+          </p:cNvPicPr>
+          <p:nvPr/>
+        </p:nvPicPr>
+        <p:blipFill rotWithShape="1">
+          <a:blip r:embed="rId2">
+            <a:extLst>
+              <a:ext uri="{28A0092B-C50C-407E-A947-70E740481C1C}">
+                <a14:useLocalDpi xmlns:a14="http://schemas.microsoft.com/office/drawing/2010/main" val="0"/>
+              </a:ext>
+            </a:extLst>
+          </a:blip>
+          <a:srcRect t="11210" b="81387"/>
+          <a:stretch/>
+        </p:blipFill>
+        <p:spPr bwMode="auto">
+          <a:xfrm>
+            <a:off x="417220" y="1474299"/>
+            <a:ext cx="11131896" cy="2478947"/>
+          </a:xfrm>
+          <a:prstGeom prst="rect">
+            <a:avLst/>
+          </a:prstGeom>
+          <a:noFill/>
+          <a:extLst>
+            <a:ext uri="{909E8E84-426E-40DD-AFC4-6F175D3DCCD1}">
+              <a14:hiddenFill xmlns:a14="http://schemas.microsoft.com/office/drawing/2010/main">
+                <a:solidFill>
+                  <a:srgbClr val="FFFFFF"/>
+                </a:solidFill>
+              </a14:hiddenFill>
+            </a:ext>
+          </a:extLst>
+        </p:spPr>
+      </p:pic>
+      <p:sp>
+        <p:nvSpPr>
+          <p:cNvPr id="10" name="TextBox 9">
+            <a:extLst>
+              <a:ext uri="{FF2B5EF4-FFF2-40B4-BE49-F238E27FC236}">
+                <a16:creationId xmlns:a16="http://schemas.microsoft.com/office/drawing/2014/main" id="{C07CAB22-FAA4-4052-A724-DE42F9887EBB}"/>
+              </a:ext>
+            </a:extLst>
+          </p:cNvPr>
+          <p:cNvSpPr txBox="1"/>
+          <p:nvPr/>
+        </p:nvSpPr>
+        <p:spPr>
+          <a:xfrm>
+            <a:off x="279731" y="297053"/>
+            <a:ext cx="3719929" cy="584775"/>
+          </a:xfrm>
+          <a:prstGeom prst="rect">
+            <a:avLst/>
+          </a:prstGeom>
+          <a:noFill/>
+        </p:spPr>
+        <p:txBody>
+          <a:bodyPr wrap="square" rtlCol="0">
+            <a:spAutoFit/>
+          </a:bodyPr>
+          <a:lstStyle/>
+          <a:p>
+            <a:r>
+              <a:rPr lang="en-US" sz="3200" dirty="0"/>
+              <a:t>Source Model</a:t>
+            </a:r>
+          </a:p>
+        </p:txBody>
+      </p:sp>
+    </p:spTree>
+    <p:extLst>
+      <p:ext uri="{BB962C8B-B14F-4D97-AF65-F5344CB8AC3E}">
+        <p14:creationId xmlns:p14="http://schemas.microsoft.com/office/powerpoint/2010/main" val="3432162481"/>
       </p:ext>
     </p:extLst>
   </p:cSld>
